--- a/doc/whats_cooking_pre.pptx
+++ b/doc/whats_cooking_pre.pptx
@@ -136,7 +136,7 @@
   </p:defaultTextStyle>
   <p:extLst>
     <p:ext uri="{EFAFB233-063F-42B5-8137-9DF3F51BA10A}">
-      <p15:sldGuideLst xmlns:p15="http://schemas.microsoft.com/office/powerpoint/2012/main">
+      <p15:sldGuideLst xmlns:p15="http://schemas.microsoft.com/office/powerpoint/2012/main" xmlns="">
         <p15:guide id="1" orient="horz" pos="2160">
           <p15:clr>
             <a:srgbClr val="A4A3A4"/>
@@ -219,26 +219,6 @@
         </a:ln>
         <a:effectLst/>
       </c:spPr>
-      <c:txPr>
-        <a:bodyPr rot="0" spcFirstLastPara="1" vertOverflow="ellipsis" vert="horz" wrap="square" anchor="ctr" anchorCtr="1"/>
-        <a:lstStyle/>
-        <a:p>
-          <a:pPr>
-            <a:defRPr sz="1400" b="0" i="0" u="none" strike="noStrike" kern="1200" spc="0" baseline="0">
-              <a:solidFill>
-                <a:schemeClr val="tx1">
-                  <a:lumMod val="65000"/>
-                  <a:lumOff val="35000"/>
-                </a:schemeClr>
-              </a:solidFill>
-              <a:latin typeface="+mn-lt"/>
-              <a:ea typeface="+mn-ea"/>
-              <a:cs typeface="+mn-cs"/>
-            </a:defRPr>
-          </a:pPr>
-          <a:endParaRPr lang="en-US"/>
-        </a:p>
-      </c:txPr>
     </c:title>
     <c:autoTitleDeleted val="0"/>
     <c:plotArea>
@@ -325,12 +305,13 @@
           <c:showPercent val="0"/>
           <c:showBubbleSize val="0"/>
         </c:dLbls>
+        <c:marker val="1"/>
         <c:smooth val="0"/>
-        <c:axId val="-2095142736"/>
-        <c:axId val="-2115126432"/>
+        <c:axId val="2081061176"/>
+        <c:axId val="2135319800"/>
       </c:lineChart>
       <c:catAx>
-        <c:axId val="-2095142736"/>
+        <c:axId val="2081061176"/>
         <c:scaling>
           <c:orientation val="minMax"/>
         </c:scaling>
@@ -382,26 +363,6 @@
             </a:ln>
             <a:effectLst/>
           </c:spPr>
-          <c:txPr>
-            <a:bodyPr rot="0" spcFirstLastPara="1" vertOverflow="ellipsis" vert="horz" wrap="square" anchor="ctr" anchorCtr="1"/>
-            <a:lstStyle/>
-            <a:p>
-              <a:pPr>
-                <a:defRPr sz="1000" b="0" i="0" u="none" strike="noStrike" kern="1200" baseline="0">
-                  <a:solidFill>
-                    <a:schemeClr val="tx1">
-                      <a:lumMod val="65000"/>
-                      <a:lumOff val="35000"/>
-                    </a:schemeClr>
-                  </a:solidFill>
-                  <a:latin typeface="+mn-lt"/>
-                  <a:ea typeface="+mn-ea"/>
-                  <a:cs typeface="+mn-cs"/>
-                </a:defRPr>
-              </a:pPr>
-              <a:endParaRPr lang="en-US"/>
-            </a:p>
-          </c:txPr>
         </c:title>
         <c:numFmt formatCode="General" sourceLinked="1"/>
         <c:majorTickMark val="none"/>
@@ -440,7 +401,7 @@
             <a:endParaRPr lang="en-US"/>
           </a:p>
         </c:txPr>
-        <c:crossAx val="-2115126432"/>
+        <c:crossAx val="2135319800"/>
         <c:crosses val="autoZero"/>
         <c:auto val="1"/>
         <c:lblAlgn val="ctr"/>
@@ -448,7 +409,7 @@
         <c:noMultiLvlLbl val="0"/>
       </c:catAx>
       <c:valAx>
-        <c:axId val="-2115126432"/>
+        <c:axId val="2135319800"/>
         <c:scaling>
           <c:orientation val="minMax"/>
         </c:scaling>
@@ -499,7 +460,7 @@
             <a:endParaRPr lang="en-US"/>
           </a:p>
         </c:txPr>
-        <c:crossAx val="-2095142736"/>
+        <c:crossAx val="2081061176"/>
         <c:crosses val="autoZero"/>
         <c:crossBetween val="between"/>
       </c:valAx>
@@ -532,7 +493,7 @@
       <a:endParaRPr lang="en-US"/>
     </a:p>
   </c:txPr>
-  <c:externalData r:id="rId3">
+  <c:externalData r:id="rId1">
     <c:autoUpdate val="0"/>
   </c:externalData>
 </c:chartSpace>
@@ -587,26 +548,6 @@
         </a:ln>
         <a:effectLst/>
       </c:spPr>
-      <c:txPr>
-        <a:bodyPr rot="0" spcFirstLastPara="1" vertOverflow="ellipsis" vert="horz" wrap="square" anchor="ctr" anchorCtr="1"/>
-        <a:lstStyle/>
-        <a:p>
-          <a:pPr>
-            <a:defRPr sz="1400" b="0" i="0" u="none" strike="noStrike" kern="1200" spc="0" baseline="0">
-              <a:solidFill>
-                <a:schemeClr val="tx1">
-                  <a:lumMod val="65000"/>
-                  <a:lumOff val="35000"/>
-                </a:schemeClr>
-              </a:solidFill>
-              <a:latin typeface="+mn-lt"/>
-              <a:ea typeface="+mn-ea"/>
-              <a:cs typeface="+mn-cs"/>
-            </a:defRPr>
-          </a:pPr>
-          <a:endParaRPr lang="en-US"/>
-        </a:p>
-      </c:txPr>
     </c:title>
     <c:autoTitleDeleted val="0"/>
     <c:plotArea>
@@ -668,11 +609,11 @@
         </c:dLbls>
         <c:gapWidth val="219"/>
         <c:overlap val="-27"/>
-        <c:axId val="-2091764880"/>
-        <c:axId val="-2122063168"/>
+        <c:axId val="2109500248"/>
+        <c:axId val="2109489368"/>
       </c:barChart>
       <c:catAx>
-        <c:axId val="-2091764880"/>
+        <c:axId val="2109500248"/>
         <c:scaling>
           <c:orientation val="minMax"/>
         </c:scaling>
@@ -717,26 +658,6 @@
             </a:ln>
             <a:effectLst/>
           </c:spPr>
-          <c:txPr>
-            <a:bodyPr rot="0" spcFirstLastPara="1" vertOverflow="ellipsis" vert="horz" wrap="square" anchor="ctr" anchorCtr="1"/>
-            <a:lstStyle/>
-            <a:p>
-              <a:pPr>
-                <a:defRPr sz="1000" b="0" i="0" u="none" strike="noStrike" kern="1200" baseline="0">
-                  <a:solidFill>
-                    <a:schemeClr val="tx1">
-                      <a:lumMod val="65000"/>
-                      <a:lumOff val="35000"/>
-                    </a:schemeClr>
-                  </a:solidFill>
-                  <a:latin typeface="+mn-lt"/>
-                  <a:ea typeface="+mn-ea"/>
-                  <a:cs typeface="+mn-cs"/>
-                </a:defRPr>
-              </a:pPr>
-              <a:endParaRPr lang="en-US"/>
-            </a:p>
-          </c:txPr>
         </c:title>
         <c:numFmt formatCode="General" sourceLinked="1"/>
         <c:majorTickMark val="none"/>
@@ -775,7 +696,7 @@
             <a:endParaRPr lang="en-US"/>
           </a:p>
         </c:txPr>
-        <c:crossAx val="-2122063168"/>
+        <c:crossAx val="2109489368"/>
         <c:crosses val="autoZero"/>
         <c:auto val="1"/>
         <c:lblAlgn val="ctr"/>
@@ -783,7 +704,7 @@
         <c:noMultiLvlLbl val="0"/>
       </c:catAx>
       <c:valAx>
-        <c:axId val="-2122063168"/>
+        <c:axId val="2109489368"/>
         <c:scaling>
           <c:orientation val="minMax"/>
         </c:scaling>
@@ -834,7 +755,7 @@
             <a:endParaRPr lang="en-US"/>
           </a:p>
         </c:txPr>
-        <c:crossAx val="-2091764880"/>
+        <c:crossAx val="2109500248"/>
         <c:crosses val="autoZero"/>
         <c:crossBetween val="between"/>
       </c:valAx>
@@ -867,7 +788,7 @@
       <a:endParaRPr lang="en-US"/>
     </a:p>
   </c:txPr>
-  <c:externalData r:id="rId3">
+  <c:externalData r:id="rId1">
     <c:autoUpdate val="0"/>
   </c:externalData>
 </c:chartSpace>
@@ -922,26 +843,6 @@
         </a:ln>
         <a:effectLst/>
       </c:spPr>
-      <c:txPr>
-        <a:bodyPr rot="0" spcFirstLastPara="1" vertOverflow="ellipsis" vert="horz" wrap="square" anchor="ctr" anchorCtr="1"/>
-        <a:lstStyle/>
-        <a:p>
-          <a:pPr>
-            <a:defRPr sz="1400" b="0" i="0" u="none" strike="noStrike" kern="1200" spc="0" baseline="0">
-              <a:solidFill>
-                <a:schemeClr val="tx1">
-                  <a:lumMod val="65000"/>
-                  <a:lumOff val="35000"/>
-                </a:schemeClr>
-              </a:solidFill>
-              <a:latin typeface="+mn-lt"/>
-              <a:ea typeface="+mn-ea"/>
-              <a:cs typeface="+mn-cs"/>
-            </a:defRPr>
-          </a:pPr>
-          <a:endParaRPr lang="en-US"/>
-        </a:p>
-      </c:txPr>
     </c:title>
     <c:autoTitleDeleted val="0"/>
     <c:plotArea>
@@ -998,12 +899,13 @@
           <c:showPercent val="0"/>
           <c:showBubbleSize val="0"/>
         </c:dLbls>
+        <c:marker val="1"/>
         <c:smooth val="0"/>
-        <c:axId val="-2115956240"/>
-        <c:axId val="-2115344048"/>
+        <c:axId val="2109291368"/>
+        <c:axId val="2109264040"/>
       </c:lineChart>
       <c:catAx>
-        <c:axId val="-2115956240"/>
+        <c:axId val="2109291368"/>
         <c:scaling>
           <c:orientation val="minMax"/>
         </c:scaling>
@@ -1051,26 +953,6 @@
             </a:ln>
             <a:effectLst/>
           </c:spPr>
-          <c:txPr>
-            <a:bodyPr rot="0" spcFirstLastPara="1" vertOverflow="ellipsis" vert="horz" wrap="square" anchor="ctr" anchorCtr="1"/>
-            <a:lstStyle/>
-            <a:p>
-              <a:pPr>
-                <a:defRPr sz="1000" b="0" i="0" u="none" strike="noStrike" kern="1200" baseline="0">
-                  <a:solidFill>
-                    <a:schemeClr val="tx1">
-                      <a:lumMod val="65000"/>
-                      <a:lumOff val="35000"/>
-                    </a:schemeClr>
-                  </a:solidFill>
-                  <a:latin typeface="+mn-lt"/>
-                  <a:ea typeface="+mn-ea"/>
-                  <a:cs typeface="+mn-cs"/>
-                </a:defRPr>
-              </a:pPr>
-              <a:endParaRPr lang="en-US"/>
-            </a:p>
-          </c:txPr>
         </c:title>
         <c:numFmt formatCode="General" sourceLinked="1"/>
         <c:majorTickMark val="none"/>
@@ -1109,7 +991,7 @@
             <a:endParaRPr lang="en-US"/>
           </a:p>
         </c:txPr>
-        <c:crossAx val="-2115344048"/>
+        <c:crossAx val="2109264040"/>
         <c:crosses val="autoZero"/>
         <c:auto val="1"/>
         <c:lblAlgn val="ctr"/>
@@ -1117,7 +999,7 @@
         <c:noMultiLvlLbl val="0"/>
       </c:catAx>
       <c:valAx>
-        <c:axId val="-2115344048"/>
+        <c:axId val="2109264040"/>
         <c:scaling>
           <c:orientation val="minMax"/>
         </c:scaling>
@@ -1168,7 +1050,7 @@
             <a:endParaRPr lang="en-US"/>
           </a:p>
         </c:txPr>
-        <c:crossAx val="-2115956240"/>
+        <c:crossAx val="2109291368"/>
         <c:crosses val="autoZero"/>
         <c:crossBetween val="between"/>
       </c:valAx>
@@ -1201,7 +1083,7 @@
       <a:endParaRPr lang="en-US"/>
     </a:p>
   </c:txPr>
-  <c:externalData r:id="rId3">
+  <c:externalData r:id="rId1">
     <c:autoUpdate val="0"/>
   </c:externalData>
 </c:chartSpace>
@@ -1263,26 +1145,6 @@
         </a:ln>
         <a:effectLst/>
       </c:spPr>
-      <c:txPr>
-        <a:bodyPr rot="0" spcFirstLastPara="1" vertOverflow="ellipsis" vert="horz" wrap="square" anchor="ctr" anchorCtr="1"/>
-        <a:lstStyle/>
-        <a:p>
-          <a:pPr>
-            <a:defRPr sz="1400" b="0" i="0" u="none" strike="noStrike" kern="1200" spc="0" baseline="0">
-              <a:solidFill>
-                <a:schemeClr val="tx1">
-                  <a:lumMod val="65000"/>
-                  <a:lumOff val="35000"/>
-                </a:schemeClr>
-              </a:solidFill>
-              <a:latin typeface="+mn-lt"/>
-              <a:ea typeface="+mn-ea"/>
-              <a:cs typeface="+mn-cs"/>
-            </a:defRPr>
-          </a:pPr>
-          <a:endParaRPr lang="en-US"/>
-        </a:p>
-      </c:txPr>
     </c:title>
     <c:autoTitleDeleted val="0"/>
     <c:plotArea>
@@ -1387,12 +1249,13 @@
           <c:showPercent val="0"/>
           <c:showBubbleSize val="0"/>
         </c:dLbls>
+        <c:marker val="1"/>
         <c:smooth val="0"/>
-        <c:axId val="-2116479344"/>
-        <c:axId val="-2116173200"/>
+        <c:axId val="2109167736"/>
+        <c:axId val="2109107816"/>
       </c:lineChart>
       <c:catAx>
-        <c:axId val="-2116479344"/>
+        <c:axId val="2109167736"/>
         <c:scaling>
           <c:orientation val="minMax"/>
         </c:scaling>
@@ -1433,26 +1296,6 @@
             </a:ln>
             <a:effectLst/>
           </c:spPr>
-          <c:txPr>
-            <a:bodyPr rot="0" spcFirstLastPara="1" vertOverflow="ellipsis" vert="horz" wrap="square" anchor="ctr" anchorCtr="1"/>
-            <a:lstStyle/>
-            <a:p>
-              <a:pPr>
-                <a:defRPr sz="1000" b="0" i="0" u="none" strike="noStrike" kern="1200" baseline="0">
-                  <a:solidFill>
-                    <a:schemeClr val="tx1">
-                      <a:lumMod val="65000"/>
-                      <a:lumOff val="35000"/>
-                    </a:schemeClr>
-                  </a:solidFill>
-                  <a:latin typeface="+mn-lt"/>
-                  <a:ea typeface="+mn-ea"/>
-                  <a:cs typeface="+mn-cs"/>
-                </a:defRPr>
-              </a:pPr>
-              <a:endParaRPr lang="en-US"/>
-            </a:p>
-          </c:txPr>
         </c:title>
         <c:numFmt formatCode="General" sourceLinked="1"/>
         <c:majorTickMark val="none"/>
@@ -1491,7 +1334,7 @@
             <a:endParaRPr lang="en-US"/>
           </a:p>
         </c:txPr>
-        <c:crossAx val="-2116173200"/>
+        <c:crossAx val="2109107816"/>
         <c:crosses val="autoZero"/>
         <c:auto val="1"/>
         <c:lblAlgn val="ctr"/>
@@ -1499,7 +1342,7 @@
         <c:noMultiLvlLbl val="0"/>
       </c:catAx>
       <c:valAx>
-        <c:axId val="-2116173200"/>
+        <c:axId val="2109107816"/>
         <c:scaling>
           <c:orientation val="minMax"/>
         </c:scaling>
@@ -1550,7 +1393,7 @@
             <a:endParaRPr lang="en-US"/>
           </a:p>
         </c:txPr>
-        <c:crossAx val="-2116479344"/>
+        <c:crossAx val="2109167736"/>
         <c:crosses val="autoZero"/>
         <c:crossBetween val="between"/>
       </c:valAx>
@@ -1583,7 +1426,7 @@
       <a:endParaRPr lang="en-US"/>
     </a:p>
   </c:txPr>
-  <c:externalData r:id="rId3">
+  <c:externalData r:id="rId1">
     <c:autoUpdate val="0"/>
   </c:externalData>
 </c:chartSpace>
@@ -1789,11 +1632,11 @@
           <c:showPercent val="0"/>
           <c:showBubbleSize val="0"/>
         </c:dLbls>
-        <c:axId val="2122265088"/>
-        <c:axId val="2122297664"/>
+        <c:axId val="-2134832152"/>
+        <c:axId val="-2134838984"/>
       </c:scatterChart>
       <c:valAx>
-        <c:axId val="2122265088"/>
+        <c:axId val="-2134832152"/>
         <c:scaling>
           <c:orientation val="minMax"/>
         </c:scaling>
@@ -1849,26 +1692,6 @@
             </a:ln>
             <a:effectLst/>
           </c:spPr>
-          <c:txPr>
-            <a:bodyPr rot="0" spcFirstLastPara="1" vertOverflow="ellipsis" vert="horz" wrap="square" anchor="ctr" anchorCtr="1"/>
-            <a:lstStyle/>
-            <a:p>
-              <a:pPr>
-                <a:defRPr sz="1000" b="0" i="0" u="none" strike="noStrike" kern="1200" baseline="0">
-                  <a:solidFill>
-                    <a:schemeClr val="tx1">
-                      <a:lumMod val="65000"/>
-                      <a:lumOff val="35000"/>
-                    </a:schemeClr>
-                  </a:solidFill>
-                  <a:latin typeface="+mn-lt"/>
-                  <a:ea typeface="+mn-ea"/>
-                  <a:cs typeface="+mn-cs"/>
-                </a:defRPr>
-              </a:pPr>
-              <a:endParaRPr lang="en-US"/>
-            </a:p>
-          </c:txPr>
         </c:title>
         <c:numFmt formatCode="General" sourceLinked="0"/>
         <c:majorTickMark val="none"/>
@@ -1907,12 +1730,12 @@
             <a:endParaRPr lang="en-US"/>
           </a:p>
         </c:txPr>
-        <c:crossAx val="2122297664"/>
+        <c:crossAx val="-2134838984"/>
         <c:crosses val="autoZero"/>
         <c:crossBetween val="midCat"/>
       </c:valAx>
       <c:valAx>
-        <c:axId val="2122297664"/>
+        <c:axId val="-2134838984"/>
         <c:scaling>
           <c:orientation val="minMax"/>
           <c:max val="0.95"/>
@@ -1970,26 +1793,6 @@
             </a:ln>
             <a:effectLst/>
           </c:spPr>
-          <c:txPr>
-            <a:bodyPr rot="-5400000" spcFirstLastPara="1" vertOverflow="ellipsis" vert="horz" wrap="square" anchor="ctr" anchorCtr="1"/>
-            <a:lstStyle/>
-            <a:p>
-              <a:pPr>
-                <a:defRPr sz="1000" b="0" i="0" u="none" strike="noStrike" kern="1200" baseline="0">
-                  <a:solidFill>
-                    <a:schemeClr val="tx1">
-                      <a:lumMod val="65000"/>
-                      <a:lumOff val="35000"/>
-                    </a:schemeClr>
-                  </a:solidFill>
-                  <a:latin typeface="+mn-lt"/>
-                  <a:ea typeface="+mn-ea"/>
-                  <a:cs typeface="+mn-cs"/>
-                </a:defRPr>
-              </a:pPr>
-              <a:endParaRPr lang="en-US"/>
-            </a:p>
-          </c:txPr>
         </c:title>
         <c:numFmt formatCode="General" sourceLinked="0"/>
         <c:majorTickMark val="none"/>
@@ -2028,7 +1831,7 @@
             <a:endParaRPr lang="en-US"/>
           </a:p>
         </c:txPr>
-        <c:crossAx val="2122265088"/>
+        <c:crossAx val="-2134832152"/>
         <c:crosses val="autoZero"/>
         <c:crossBetween val="midCat"/>
       </c:valAx>
@@ -2093,7 +1896,7 @@
       <a:endParaRPr lang="en-US"/>
     </a:p>
   </c:txPr>
-  <c:externalData r:id="rId3">
+  <c:externalData r:id="rId1">
     <c:autoUpdate val="0"/>
   </c:externalData>
 </c:chartSpace>
@@ -2106,45 +1909,14 @@
   <c:roundedCorners val="0"/>
   <mc:AlternateContent xmlns:mc="http://schemas.openxmlformats.org/markup-compatibility/2006">
     <mc:Choice xmlns:c14="http://schemas.microsoft.com/office/drawing/2007/8/2/chart" Requires="c14">
-      <c14:style val="102"/>
+      <c14:style val="118"/>
     </mc:Choice>
     <mc:Fallback>
-      <c:style val="2"/>
+      <c:style val="18"/>
     </mc:Fallback>
   </mc:AlternateContent>
   <c:chart>
-    <c:title>
-      <c:layout/>
-      <c:overlay val="0"/>
-      <c:spPr>
-        <a:noFill/>
-        <a:ln>
-          <a:noFill/>
-        </a:ln>
-        <a:effectLst/>
-      </c:spPr>
-      <c:txPr>
-        <a:bodyPr rot="0" spcFirstLastPara="1" vertOverflow="ellipsis" vert="horz" wrap="square" anchor="ctr" anchorCtr="1"/>
-        <a:lstStyle/>
-        <a:p>
-          <a:pPr>
-            <a:defRPr sz="2200" b="1" i="0" u="none" strike="noStrike" kern="1200" baseline="0">
-              <a:solidFill>
-                <a:schemeClr val="dk1">
-                  <a:lumMod val="75000"/>
-                  <a:lumOff val="25000"/>
-                </a:schemeClr>
-              </a:solidFill>
-              <a:latin typeface="+mn-lt"/>
-              <a:ea typeface="+mn-ea"/>
-              <a:cs typeface="+mn-cs"/>
-            </a:defRPr>
-          </a:pPr>
-          <a:endParaRPr lang="en-US"/>
-        </a:p>
-      </c:txPr>
-    </c:title>
-    <c:autoTitleDeleted val="0"/>
+    <c:autoTitleDeleted val="1"/>
     <c:plotArea>
       <c:layout/>
       <c:barChart>
@@ -2156,60 +1928,17 @@
           <c:order val="0"/>
           <c:tx>
             <c:strRef>
-              <c:f>Sheet1!$K$7</c:f>
+              <c:f>Sheet1!$B$1</c:f>
               <c:strCache>
                 <c:ptCount val="1"/>
                 <c:pt idx="0">
-                  <c:v>Accuracy</c:v>
+                  <c:v>Column2</c:v>
                 </c:pt>
               </c:strCache>
             </c:strRef>
           </c:tx>
-          <c:spPr>
-            <a:solidFill>
-              <a:schemeClr val="accent1">
-                <a:alpha val="85000"/>
-              </a:schemeClr>
-            </a:solidFill>
-            <a:ln w="9525" cap="flat" cmpd="sng" algn="ctr">
-              <a:solidFill>
-                <a:schemeClr val="lt1">
-                  <a:alpha val="50000"/>
-                </a:schemeClr>
-              </a:solidFill>
-              <a:round/>
-            </a:ln>
-            <a:effectLst/>
-          </c:spPr>
           <c:invertIfNegative val="0"/>
           <c:dLbls>
-            <c:spPr>
-              <a:noFill/>
-              <a:ln>
-                <a:noFill/>
-              </a:ln>
-              <a:effectLst/>
-            </c:spPr>
-            <c:txPr>
-              <a:bodyPr rot="0" spcFirstLastPara="1" vertOverflow="ellipsis" vert="horz" wrap="square" lIns="38100" tIns="19050" rIns="38100" bIns="19050" anchor="ctr" anchorCtr="1">
-                <a:spAutoFit/>
-              </a:bodyPr>
-              <a:lstStyle/>
-              <a:p>
-                <a:pPr>
-                  <a:defRPr sz="1197" b="1" i="0" u="none" strike="noStrike" kern="1200" baseline="0">
-                    <a:solidFill>
-                      <a:schemeClr val="lt1"/>
-                    </a:solidFill>
-                    <a:latin typeface="+mn-lt"/>
-                    <a:ea typeface="+mn-ea"/>
-                    <a:cs typeface="+mn-cs"/>
-                  </a:defRPr>
-                </a:pPr>
-                <a:endParaRPr lang="en-US"/>
-              </a:p>
-            </c:txPr>
-            <c:dLblPos val="inEnd"/>
             <c:showLegendKey val="0"/>
             <c:showVal val="1"/>
             <c:showCatName val="0"/>
@@ -2217,129 +1946,72 @@
             <c:showPercent val="0"/>
             <c:showBubbleSize val="0"/>
             <c:showLeaderLines val="0"/>
-            <c:extLst>
-              <c:ext xmlns:c15="http://schemas.microsoft.com/office/drawing/2012/chart" uri="{CE6537A1-D6FC-4f65-9D91-7224C49458BB}">
-                <c15:layout/>
-                <c15:showLeaderLines val="1"/>
-                <c15:leaderLines>
-                  <c:spPr>
-                    <a:ln w="9525">
-                      <a:solidFill>
-                        <a:schemeClr val="dk1">
-                          <a:lumMod val="50000"/>
-                          <a:lumOff val="50000"/>
-                        </a:schemeClr>
-                      </a:solidFill>
-                    </a:ln>
-                    <a:effectLst/>
-                  </c:spPr>
-                </c15:leaderLines>
-              </c:ext>
-            </c:extLst>
           </c:dLbls>
           <c:cat>
             <c:strRef>
-              <c:f>Sheet1!$J$8:$J$12</c:f>
+              <c:f>Sheet1!$A$2:$A$5</c:f>
               <c:strCache>
-                <c:ptCount val="5"/>
+                <c:ptCount val="4"/>
                 <c:pt idx="0">
-                  <c:v>Random Forest</c:v>
+                  <c:v>RANDOM FOREST</c:v>
                 </c:pt>
                 <c:pt idx="1">
-                  <c:v>Naïve Bayes</c:v>
+                  <c:v>NAÏVE BAYES</c:v>
                 </c:pt>
                 <c:pt idx="2">
                   <c:v>SVM</c:v>
                 </c:pt>
                 <c:pt idx="3">
-                  <c:v>LDA</c:v>
-                </c:pt>
-                <c:pt idx="4">
-                  <c:v>Neural Network</c:v>
+                  <c:v>NEURAL NETWORK</c:v>
                 </c:pt>
               </c:strCache>
             </c:strRef>
           </c:cat>
           <c:val>
             <c:numRef>
-              <c:f>Sheet1!$K$8:$K$12</c:f>
+              <c:f>Sheet1!$B$2:$B$5</c:f>
               <c:numCache>
                 <c:formatCode>0.00%</c:formatCode>
-                <c:ptCount val="5"/>
+                <c:ptCount val="4"/>
                 <c:pt idx="0">
-                  <c:v>0.73727</c:v>
+                  <c:v>0.7373</c:v>
                 </c:pt>
                 <c:pt idx="1">
-                  <c:v>0.76295</c:v>
+                  <c:v>0.763</c:v>
                 </c:pt>
                 <c:pt idx="2">
-                  <c:v>0.77383</c:v>
+                  <c:v>0.7738</c:v>
                 </c:pt>
-                <c:pt idx="4">
-                  <c:v>0.78909</c:v>
+                <c:pt idx="3">
+                  <c:v>0.7891</c:v>
                 </c:pt>
               </c:numCache>
             </c:numRef>
           </c:val>
         </c:ser>
         <c:dLbls>
-          <c:dLblPos val="inEnd"/>
           <c:showLegendKey val="0"/>
-          <c:showVal val="1"/>
+          <c:showVal val="0"/>
           <c:showCatName val="0"/>
           <c:showSerName val="0"/>
           <c:showPercent val="0"/>
           <c:showBubbleSize val="0"/>
         </c:dLbls>
-        <c:gapWidth val="65"/>
-        <c:axId val="-2094139040"/>
-        <c:axId val="-2120448496"/>
+        <c:gapWidth val="150"/>
+        <c:axId val="-2134034136"/>
+        <c:axId val="-2133494952"/>
       </c:barChart>
       <c:catAx>
-        <c:axId val="-2094139040"/>
+        <c:axId val="-2134034136"/>
         <c:scaling>
           <c:orientation val="minMax"/>
         </c:scaling>
         <c:delete val="0"/>
         <c:axPos val="b"/>
-        <c:numFmt formatCode="General" sourceLinked="1"/>
-        <c:majorTickMark val="none"/>
+        <c:majorTickMark val="out"/>
         <c:minorTickMark val="none"/>
         <c:tickLblPos val="nextTo"/>
-        <c:spPr>
-          <a:noFill/>
-          <a:ln w="19050" cap="flat" cmpd="sng" algn="ctr">
-            <a:solidFill>
-              <a:schemeClr val="dk1">
-                <a:lumMod val="75000"/>
-                <a:lumOff val="25000"/>
-              </a:schemeClr>
-            </a:solidFill>
-            <a:round/>
-          </a:ln>
-          <a:effectLst/>
-        </c:spPr>
-        <c:txPr>
-          <a:bodyPr rot="-60000000" spcFirstLastPara="1" vertOverflow="ellipsis" vert="horz" wrap="square" anchor="ctr" anchorCtr="1"/>
-          <a:lstStyle/>
-          <a:p>
-            <a:pPr>
-              <a:defRPr sz="1197" b="0" i="0" u="none" strike="noStrike" kern="1200" cap="all" baseline="0">
-                <a:solidFill>
-                  <a:schemeClr val="dk1">
-                    <a:lumMod val="75000"/>
-                    <a:lumOff val="25000"/>
-                  </a:schemeClr>
-                </a:solidFill>
-                <a:latin typeface="+mn-lt"/>
-                <a:ea typeface="+mn-ea"/>
-                <a:cs typeface="+mn-cs"/>
-              </a:defRPr>
-            </a:pPr>
-            <a:endParaRPr lang="en-US"/>
-          </a:p>
-        </c:txPr>
-        <c:crossAx val="-2120448496"/>
+        <c:crossAx val="-2133494952"/>
         <c:crosses val="autoZero"/>
         <c:auto val="1"/>
         <c:lblAlgn val="ctr"/>
@@ -2347,100 +2019,37 @@
         <c:noMultiLvlLbl val="0"/>
       </c:catAx>
       <c:valAx>
-        <c:axId val="-2120448496"/>
+        <c:axId val="-2133494952"/>
         <c:scaling>
           <c:orientation val="minMax"/>
         </c:scaling>
-        <c:delete val="1"/>
+        <c:delete val="0"/>
         <c:axPos val="l"/>
-        <c:majorGridlines>
-          <c:spPr>
-            <a:ln w="9525" cap="flat" cmpd="sng" algn="ctr">
-              <a:gradFill>
-                <a:gsLst>
-                  <a:gs pos="100000">
-                    <a:schemeClr val="dk1">
-                      <a:lumMod val="95000"/>
-                      <a:lumOff val="5000"/>
-                      <a:alpha val="42000"/>
-                    </a:schemeClr>
-                  </a:gs>
-                  <a:gs pos="0">
-                    <a:schemeClr val="lt1">
-                      <a:lumMod val="75000"/>
-                      <a:alpha val="36000"/>
-                    </a:schemeClr>
-                  </a:gs>
-                </a:gsLst>
-                <a:lin ang="5400000" scaled="0"/>
-              </a:gradFill>
-              <a:round/>
-            </a:ln>
-            <a:effectLst/>
-          </c:spPr>
-        </c:majorGridlines>
-        <c:numFmt formatCode="0.00%" sourceLinked="0"/>
-        <c:majorTickMark val="none"/>
+        <c:majorGridlines/>
+        <c:numFmt formatCode="0.00%" sourceLinked="1"/>
+        <c:majorTickMark val="out"/>
         <c:minorTickMark val="none"/>
         <c:tickLblPos val="nextTo"/>
-        <c:crossAx val="-2094139040"/>
+        <c:crossAx val="-2134034136"/>
         <c:crosses val="autoZero"/>
         <c:crossBetween val="between"/>
       </c:valAx>
-      <c:spPr>
-        <a:noFill/>
-        <a:ln>
-          <a:noFill/>
-        </a:ln>
-        <a:effectLst/>
-      </c:spPr>
     </c:plotArea>
     <c:plotVisOnly val="1"/>
     <c:dispBlanksAs val="gap"/>
     <c:showDLblsOverMax val="0"/>
   </c:chart>
-  <c:spPr>
-    <a:gradFill flip="none" rotWithShape="1">
-      <a:gsLst>
-        <a:gs pos="0">
-          <a:schemeClr val="lt1"/>
-        </a:gs>
-        <a:gs pos="39000">
-          <a:schemeClr val="lt1"/>
-        </a:gs>
-        <a:gs pos="100000">
-          <a:schemeClr val="lt1">
-            <a:lumMod val="75000"/>
-          </a:schemeClr>
-        </a:gs>
-      </a:gsLst>
-      <a:path path="circle">
-        <a:fillToRect l="50000" t="-80000" r="50000" b="180000"/>
-      </a:path>
-      <a:tileRect/>
-    </a:gradFill>
-    <a:ln w="9525" cap="flat" cmpd="sng" algn="ctr">
-      <a:solidFill>
-        <a:schemeClr val="dk1">
-          <a:lumMod val="25000"/>
-          <a:lumOff val="75000"/>
-        </a:schemeClr>
-      </a:solidFill>
-      <a:round/>
-    </a:ln>
-    <a:effectLst/>
-  </c:spPr>
   <c:txPr>
     <a:bodyPr/>
     <a:lstStyle/>
     <a:p>
       <a:pPr>
-        <a:defRPr/>
+        <a:defRPr sz="1800"/>
       </a:pPr>
       <a:endParaRPr lang="en-US"/>
     </a:p>
   </c:txPr>
-  <c:externalData r:id="rId3">
+  <c:externalData r:id="rId1">
     <c:autoUpdate val="0"/>
   </c:externalData>
 </c:chartSpace>
@@ -2607,46 +2216,6 @@
 </file>
 
 <file path=ppt/charts/colors5.xml><?xml version="1.0" encoding="utf-8"?>
-<cs:colorStyle xmlns:cs="http://schemas.microsoft.com/office/drawing/2012/chartStyle" xmlns:a="http://schemas.openxmlformats.org/drawingml/2006/main" meth="cycle" id="10">
-  <a:schemeClr val="accent1"/>
-  <a:schemeClr val="accent2"/>
-  <a:schemeClr val="accent3"/>
-  <a:schemeClr val="accent4"/>
-  <a:schemeClr val="accent5"/>
-  <a:schemeClr val="accent6"/>
-  <cs:variation/>
-  <cs:variation>
-    <a:lumMod val="60000"/>
-  </cs:variation>
-  <cs:variation>
-    <a:lumMod val="80000"/>
-    <a:lumOff val="20000"/>
-  </cs:variation>
-  <cs:variation>
-    <a:lumMod val="80000"/>
-  </cs:variation>
-  <cs:variation>
-    <a:lumMod val="60000"/>
-    <a:lumOff val="40000"/>
-  </cs:variation>
-  <cs:variation>
-    <a:lumMod val="50000"/>
-  </cs:variation>
-  <cs:variation>
-    <a:lumMod val="70000"/>
-    <a:lumOff val="30000"/>
-  </cs:variation>
-  <cs:variation>
-    <a:lumMod val="70000"/>
-  </cs:variation>
-  <cs:variation>
-    <a:lumMod val="50000"/>
-    <a:lumOff val="50000"/>
-  </cs:variation>
-</cs:colorStyle>
-</file>
-
-<file path=ppt/charts/colors6.xml><?xml version="1.0" encoding="utf-8"?>
 <cs:colorStyle xmlns:cs="http://schemas.microsoft.com/office/drawing/2012/chartStyle" xmlns:a="http://schemas.openxmlformats.org/drawingml/2006/main" meth="cycle" id="10">
   <a:schemeClr val="accent1"/>
   <a:schemeClr val="accent2"/>
@@ -5253,576 +4822,6 @@
 </cs:chartStyle>
 </file>
 
-<file path=ppt/charts/style6.xml><?xml version="1.0" encoding="utf-8"?>
-<cs:chartStyle xmlns:cs="http://schemas.microsoft.com/office/drawing/2012/chartStyle" xmlns:a="http://schemas.openxmlformats.org/drawingml/2006/main" id="205">
-  <cs:axisTitle>
-    <cs:lnRef idx="0"/>
-    <cs:fillRef idx="0"/>
-    <cs:effectRef idx="0"/>
-    <cs:fontRef idx="minor">
-      <a:schemeClr val="dk1">
-        <a:lumMod val="75000"/>
-        <a:lumOff val="25000"/>
-      </a:schemeClr>
-    </cs:fontRef>
-    <cs:defRPr sz="1197" b="1" kern="1200"/>
-  </cs:axisTitle>
-  <cs:categoryAxis>
-    <cs:lnRef idx="0"/>
-    <cs:fillRef idx="0"/>
-    <cs:effectRef idx="0"/>
-    <cs:fontRef idx="minor">
-      <a:schemeClr val="dk1">
-        <a:lumMod val="75000"/>
-        <a:lumOff val="25000"/>
-      </a:schemeClr>
-    </cs:fontRef>
-    <cs:spPr>
-      <a:ln w="19050" cap="flat" cmpd="sng" algn="ctr">
-        <a:solidFill>
-          <a:schemeClr val="dk1">
-            <a:lumMod val="75000"/>
-            <a:lumOff val="25000"/>
-          </a:schemeClr>
-        </a:solidFill>
-        <a:round/>
-      </a:ln>
-    </cs:spPr>
-    <cs:defRPr sz="1197" kern="1200" cap="all" baseline="0"/>
-  </cs:categoryAxis>
-  <cs:chartArea>
-    <cs:lnRef idx="0"/>
-    <cs:fillRef idx="0"/>
-    <cs:effectRef idx="0"/>
-    <cs:fontRef idx="minor">
-      <a:schemeClr val="dk1"/>
-    </cs:fontRef>
-    <cs:spPr>
-      <a:gradFill flip="none" rotWithShape="1">
-        <a:gsLst>
-          <a:gs pos="0">
-            <a:schemeClr val="lt1"/>
-          </a:gs>
-          <a:gs pos="39000">
-            <a:schemeClr val="lt1"/>
-          </a:gs>
-          <a:gs pos="100000">
-            <a:schemeClr val="lt1">
-              <a:lumMod val="75000"/>
-            </a:schemeClr>
-          </a:gs>
-        </a:gsLst>
-        <a:path path="circle">
-          <a:fillToRect l="50000" t="-80000" r="50000" b="180000"/>
-        </a:path>
-        <a:tileRect/>
-      </a:gradFill>
-      <a:ln w="9525" cap="flat" cmpd="sng" algn="ctr">
-        <a:solidFill>
-          <a:schemeClr val="dk1">
-            <a:lumMod val="25000"/>
-            <a:lumOff val="75000"/>
-          </a:schemeClr>
-        </a:solidFill>
-        <a:round/>
-      </a:ln>
-    </cs:spPr>
-    <cs:defRPr sz="1197" kern="1200"/>
-  </cs:chartArea>
-  <cs:dataLabel>
-    <cs:lnRef idx="0"/>
-    <cs:fillRef idx="0"/>
-    <cs:effectRef idx="0"/>
-    <cs:fontRef idx="minor">
-      <a:schemeClr val="lt1"/>
-    </cs:fontRef>
-    <cs:defRPr sz="1197" b="1" i="0" u="none" strike="noStrike" kern="1200" baseline="0"/>
-  </cs:dataLabel>
-  <cs:dataLabelCallout>
-    <cs:lnRef idx="0"/>
-    <cs:fillRef idx="0"/>
-    <cs:effectRef idx="0"/>
-    <cs:fontRef idx="minor">
-      <a:schemeClr val="lt1"/>
-    </cs:fontRef>
-    <cs:spPr>
-      <a:solidFill>
-        <a:schemeClr val="dk1">
-          <a:lumMod val="65000"/>
-          <a:lumOff val="35000"/>
-          <a:alpha val="75000"/>
-        </a:schemeClr>
-      </a:solidFill>
-    </cs:spPr>
-    <cs:defRPr sz="1197" b="1" kern="1200"/>
-    <cs:bodyPr rot="0" spcFirstLastPara="1" vertOverflow="clip" horzOverflow="clip" vert="horz" wrap="square" lIns="36576" tIns="18288" rIns="36576" bIns="18288" anchor="ctr" anchorCtr="1">
-      <a:spAutoFit/>
-    </cs:bodyPr>
-  </cs:dataLabelCallout>
-  <cs:dataPoint>
-    <cs:lnRef idx="0"/>
-    <cs:fillRef idx="0">
-      <cs:styleClr val="auto"/>
-    </cs:fillRef>
-    <cs:effectRef idx="0"/>
-    <cs:fontRef idx="minor">
-      <a:schemeClr val="dk1"/>
-    </cs:fontRef>
-    <cs:spPr>
-      <a:solidFill>
-        <a:schemeClr val="phClr">
-          <a:alpha val="85000"/>
-        </a:schemeClr>
-      </a:solidFill>
-      <a:ln w="9525" cap="flat" cmpd="sng" algn="ctr">
-        <a:solidFill>
-          <a:schemeClr val="lt1">
-            <a:alpha val="50000"/>
-          </a:schemeClr>
-        </a:solidFill>
-        <a:round/>
-      </a:ln>
-    </cs:spPr>
-  </cs:dataPoint>
-  <cs:dataPoint3D>
-    <cs:lnRef idx="0"/>
-    <cs:fillRef idx="0">
-      <cs:styleClr val="auto"/>
-    </cs:fillRef>
-    <cs:effectRef idx="0"/>
-    <cs:fontRef idx="minor">
-      <a:schemeClr val="dk1"/>
-    </cs:fontRef>
-    <cs:spPr>
-      <a:solidFill>
-        <a:schemeClr val="phClr">
-          <a:alpha val="85000"/>
-        </a:schemeClr>
-      </a:solidFill>
-      <a:ln w="9525" cap="flat" cmpd="sng" algn="ctr">
-        <a:solidFill>
-          <a:schemeClr val="lt1">
-            <a:alpha val="50000"/>
-          </a:schemeClr>
-        </a:solidFill>
-        <a:round/>
-      </a:ln>
-    </cs:spPr>
-  </cs:dataPoint3D>
-  <cs:dataPointLine>
-    <cs:lnRef idx="0">
-      <cs:styleClr val="auto"/>
-    </cs:lnRef>
-    <cs:fillRef idx="0"/>
-    <cs:effectRef idx="0"/>
-    <cs:fontRef idx="minor">
-      <a:schemeClr val="dk1"/>
-    </cs:fontRef>
-    <cs:spPr>
-      <a:ln w="31750" cap="rnd">
-        <a:solidFill>
-          <a:schemeClr val="phClr">
-            <a:alpha val="85000"/>
-          </a:schemeClr>
-        </a:solidFill>
-        <a:round/>
-      </a:ln>
-    </cs:spPr>
-  </cs:dataPointLine>
-  <cs:dataPointMarker>
-    <cs:lnRef idx="0"/>
-    <cs:fillRef idx="0">
-      <cs:styleClr val="auto"/>
-    </cs:fillRef>
-    <cs:effectRef idx="0"/>
-    <cs:fontRef idx="minor">
-      <a:schemeClr val="dk1"/>
-    </cs:fontRef>
-    <cs:spPr>
-      <a:solidFill>
-        <a:schemeClr val="phClr">
-          <a:alpha val="85000"/>
-        </a:schemeClr>
-      </a:solidFill>
-    </cs:spPr>
-  </cs:dataPointMarker>
-  <cs:dataPointMarkerLayout symbol="circle" size="6"/>
-  <cs:dataPointWireframe>
-    <cs:lnRef idx="0">
-      <cs:styleClr val="auto"/>
-    </cs:lnRef>
-    <cs:fillRef idx="0"/>
-    <cs:effectRef idx="0"/>
-    <cs:fontRef idx="minor">
-      <a:schemeClr val="dk1"/>
-    </cs:fontRef>
-    <cs:spPr>
-      <a:ln w="9525" cap="rnd">
-        <a:solidFill>
-          <a:schemeClr val="phClr"/>
-        </a:solidFill>
-        <a:round/>
-      </a:ln>
-    </cs:spPr>
-  </cs:dataPointWireframe>
-  <cs:dataTable>
-    <cs:lnRef idx="0"/>
-    <cs:fillRef idx="0"/>
-    <cs:effectRef idx="0"/>
-    <cs:fontRef idx="minor">
-      <a:schemeClr val="dk1">
-        <a:lumMod val="75000"/>
-        <a:lumOff val="25000"/>
-      </a:schemeClr>
-    </cs:fontRef>
-    <cs:spPr>
-      <a:ln w="9525">
-        <a:solidFill>
-          <a:schemeClr val="dk1">
-            <a:lumMod val="35000"/>
-            <a:lumOff val="65000"/>
-          </a:schemeClr>
-        </a:solidFill>
-      </a:ln>
-    </cs:spPr>
-    <cs:defRPr sz="1197" kern="1200"/>
-  </cs:dataTable>
-  <cs:downBar>
-    <cs:lnRef idx="0"/>
-    <cs:fillRef idx="0"/>
-    <cs:effectRef idx="0"/>
-    <cs:fontRef idx="minor">
-      <a:schemeClr val="dk1"/>
-    </cs:fontRef>
-    <cs:spPr>
-      <a:solidFill>
-        <a:schemeClr val="dk1">
-          <a:lumMod val="50000"/>
-          <a:lumOff val="50000"/>
-        </a:schemeClr>
-      </a:solidFill>
-      <a:ln w="9525">
-        <a:solidFill>
-          <a:schemeClr val="dk1">
-            <a:lumMod val="65000"/>
-            <a:lumOff val="35000"/>
-          </a:schemeClr>
-        </a:solidFill>
-      </a:ln>
-    </cs:spPr>
-  </cs:downBar>
-  <cs:dropLine>
-    <cs:lnRef idx="0"/>
-    <cs:fillRef idx="0"/>
-    <cs:effectRef idx="0"/>
-    <cs:fontRef idx="minor">
-      <a:schemeClr val="dk1"/>
-    </cs:fontRef>
-    <cs:spPr>
-      <a:ln w="9525">
-        <a:solidFill>
-          <a:schemeClr val="dk1">
-            <a:lumMod val="35000"/>
-            <a:lumOff val="65000"/>
-          </a:schemeClr>
-        </a:solidFill>
-        <a:prstDash val="dash"/>
-      </a:ln>
-    </cs:spPr>
-  </cs:dropLine>
-  <cs:errorBar>
-    <cs:lnRef idx="0"/>
-    <cs:fillRef idx="0"/>
-    <cs:effectRef idx="0"/>
-    <cs:fontRef idx="minor">
-      <a:schemeClr val="dk1"/>
-    </cs:fontRef>
-    <cs:spPr>
-      <a:ln w="9525">
-        <a:solidFill>
-          <a:schemeClr val="dk1">
-            <a:lumMod val="65000"/>
-            <a:lumOff val="35000"/>
-          </a:schemeClr>
-        </a:solidFill>
-        <a:round/>
-      </a:ln>
-    </cs:spPr>
-  </cs:errorBar>
-  <cs:floor>
-    <cs:lnRef idx="0"/>
-    <cs:fillRef idx="0"/>
-    <cs:effectRef idx="0"/>
-    <cs:fontRef idx="minor">
-      <a:schemeClr val="dk1"/>
-    </cs:fontRef>
-  </cs:floor>
-  <cs:gridlineMajor>
-    <cs:lnRef idx="0"/>
-    <cs:fillRef idx="0"/>
-    <cs:effectRef idx="0"/>
-    <cs:fontRef idx="minor">
-      <a:schemeClr val="dk1"/>
-    </cs:fontRef>
-    <cs:spPr>
-      <a:ln w="9525" cap="flat" cmpd="sng" algn="ctr">
-        <a:gradFill>
-          <a:gsLst>
-            <a:gs pos="100000">
-              <a:schemeClr val="dk1">
-                <a:lumMod val="95000"/>
-                <a:lumOff val="5000"/>
-                <a:alpha val="42000"/>
-              </a:schemeClr>
-            </a:gs>
-            <a:gs pos="0">
-              <a:schemeClr val="lt1">
-                <a:lumMod val="75000"/>
-                <a:alpha val="36000"/>
-              </a:schemeClr>
-            </a:gs>
-          </a:gsLst>
-          <a:lin ang="5400000" scaled="0"/>
-        </a:gradFill>
-        <a:round/>
-      </a:ln>
-    </cs:spPr>
-  </cs:gridlineMajor>
-  <cs:gridlineMinor>
-    <cs:lnRef idx="0"/>
-    <cs:fillRef idx="0"/>
-    <cs:effectRef idx="0"/>
-    <cs:fontRef idx="minor">
-      <a:schemeClr val="dk1"/>
-    </cs:fontRef>
-    <cs:spPr>
-      <a:ln>
-        <a:gradFill>
-          <a:gsLst>
-            <a:gs pos="100000">
-              <a:schemeClr val="dk1">
-                <a:lumMod val="95000"/>
-                <a:lumOff val="5000"/>
-                <a:alpha val="42000"/>
-              </a:schemeClr>
-            </a:gs>
-            <a:gs pos="0">
-              <a:schemeClr val="lt1">
-                <a:lumMod val="75000"/>
-                <a:alpha val="36000"/>
-              </a:schemeClr>
-            </a:gs>
-          </a:gsLst>
-          <a:lin ang="5400000" scaled="0"/>
-        </a:gradFill>
-      </a:ln>
-    </cs:spPr>
-  </cs:gridlineMinor>
-  <cs:hiLoLine>
-    <cs:lnRef idx="0"/>
-    <cs:fillRef idx="0"/>
-    <cs:effectRef idx="0"/>
-    <cs:fontRef idx="minor">
-      <a:schemeClr val="dk1"/>
-    </cs:fontRef>
-    <cs:spPr>
-      <a:ln w="9525">
-        <a:solidFill>
-          <a:schemeClr val="dk1">
-            <a:lumMod val="35000"/>
-            <a:lumOff val="65000"/>
-          </a:schemeClr>
-        </a:solidFill>
-        <a:prstDash val="dash"/>
-      </a:ln>
-    </cs:spPr>
-  </cs:hiLoLine>
-  <cs:leaderLine>
-    <cs:lnRef idx="0"/>
-    <cs:fillRef idx="0"/>
-    <cs:effectRef idx="0"/>
-    <cs:fontRef idx="minor">
-      <a:schemeClr val="dk1"/>
-    </cs:fontRef>
-    <cs:spPr>
-      <a:ln w="9525">
-        <a:solidFill>
-          <a:schemeClr val="dk1">
-            <a:lumMod val="50000"/>
-            <a:lumOff val="50000"/>
-          </a:schemeClr>
-        </a:solidFill>
-      </a:ln>
-    </cs:spPr>
-  </cs:leaderLine>
-  <cs:legend>
-    <cs:lnRef idx="0"/>
-    <cs:fillRef idx="0"/>
-    <cs:effectRef idx="0"/>
-    <cs:fontRef idx="minor">
-      <a:schemeClr val="dk1">
-        <a:lumMod val="75000"/>
-        <a:lumOff val="25000"/>
-      </a:schemeClr>
-    </cs:fontRef>
-    <cs:spPr>
-      <a:solidFill>
-        <a:schemeClr val="lt1">
-          <a:lumMod val="95000"/>
-          <a:alpha val="39000"/>
-        </a:schemeClr>
-      </a:solidFill>
-    </cs:spPr>
-    <cs:defRPr sz="1197" kern="1200"/>
-  </cs:legend>
-  <cs:plotArea>
-    <cs:lnRef idx="0"/>
-    <cs:fillRef idx="0"/>
-    <cs:effectRef idx="0"/>
-    <cs:fontRef idx="minor">
-      <a:schemeClr val="dk1"/>
-    </cs:fontRef>
-  </cs:plotArea>
-  <cs:plotArea3D>
-    <cs:lnRef idx="0"/>
-    <cs:fillRef idx="0"/>
-    <cs:effectRef idx="0"/>
-    <cs:fontRef idx="minor">
-      <a:schemeClr val="dk1"/>
-    </cs:fontRef>
-  </cs:plotArea3D>
-  <cs:seriesAxis>
-    <cs:lnRef idx="0"/>
-    <cs:fillRef idx="0"/>
-    <cs:effectRef idx="0"/>
-    <cs:fontRef idx="minor">
-      <a:schemeClr val="dk1">
-        <a:lumMod val="75000"/>
-        <a:lumOff val="25000"/>
-      </a:schemeClr>
-    </cs:fontRef>
-    <cs:spPr>
-      <a:ln w="31750" cap="flat" cmpd="sng" algn="ctr">
-        <a:solidFill>
-          <a:schemeClr val="dk1">
-            <a:lumMod val="75000"/>
-            <a:lumOff val="25000"/>
-          </a:schemeClr>
-        </a:solidFill>
-        <a:round/>
-      </a:ln>
-    </cs:spPr>
-    <cs:defRPr sz="1197" kern="1200"/>
-  </cs:seriesAxis>
-  <cs:seriesLine>
-    <cs:lnRef idx="0"/>
-    <cs:fillRef idx="0"/>
-    <cs:effectRef idx="0"/>
-    <cs:fontRef idx="minor">
-      <a:schemeClr val="dk1"/>
-    </cs:fontRef>
-    <cs:spPr>
-      <a:ln w="9525">
-        <a:solidFill>
-          <a:schemeClr val="dk1">
-            <a:lumMod val="50000"/>
-            <a:lumOff val="50000"/>
-          </a:schemeClr>
-        </a:solidFill>
-        <a:round/>
-      </a:ln>
-    </cs:spPr>
-  </cs:seriesLine>
-  <cs:title>
-    <cs:lnRef idx="0"/>
-    <cs:fillRef idx="0"/>
-    <cs:effectRef idx="0"/>
-    <cs:fontRef idx="minor">
-      <a:schemeClr val="dk1">
-        <a:lumMod val="75000"/>
-        <a:lumOff val="25000"/>
-      </a:schemeClr>
-    </cs:fontRef>
-    <cs:defRPr sz="2200" b="1" kern="1200" baseline="0"/>
-  </cs:title>
-  <cs:trendline>
-    <cs:lnRef idx="0">
-      <cs:styleClr val="auto"/>
-    </cs:lnRef>
-    <cs:fillRef idx="0"/>
-    <cs:effectRef idx="0"/>
-    <cs:fontRef idx="minor">
-      <a:schemeClr val="dk1"/>
-    </cs:fontRef>
-    <cs:spPr>
-      <a:ln w="19050" cap="rnd">
-        <a:solidFill>
-          <a:schemeClr val="phClr"/>
-        </a:solidFill>
-      </a:ln>
-    </cs:spPr>
-  </cs:trendline>
-  <cs:trendlineLabel>
-    <cs:lnRef idx="0"/>
-    <cs:fillRef idx="0"/>
-    <cs:effectRef idx="0"/>
-    <cs:fontRef idx="minor">
-      <a:schemeClr val="dk1">
-        <a:lumMod val="75000"/>
-        <a:lumOff val="25000"/>
-      </a:schemeClr>
-    </cs:fontRef>
-    <cs:defRPr sz="1197" kern="1200"/>
-  </cs:trendlineLabel>
-  <cs:upBar>
-    <cs:lnRef idx="0"/>
-    <cs:fillRef idx="0"/>
-    <cs:effectRef idx="0"/>
-    <cs:fontRef idx="minor">
-      <a:schemeClr val="dk1"/>
-    </cs:fontRef>
-    <cs:spPr>
-      <a:solidFill>
-        <a:schemeClr val="lt1"/>
-      </a:solidFill>
-      <a:ln w="9525">
-        <a:solidFill>
-          <a:schemeClr val="dk1">
-            <a:lumMod val="65000"/>
-            <a:lumOff val="35000"/>
-          </a:schemeClr>
-        </a:solidFill>
-      </a:ln>
-    </cs:spPr>
-  </cs:upBar>
-  <cs:valueAxis>
-    <cs:lnRef idx="0"/>
-    <cs:fillRef idx="0"/>
-    <cs:effectRef idx="0"/>
-    <cs:fontRef idx="minor">
-      <a:schemeClr val="dk1">
-        <a:lumMod val="75000"/>
-        <a:lumOff val="25000"/>
-      </a:schemeClr>
-    </cs:fontRef>
-    <cs:spPr>
-      <a:ln>
-        <a:noFill/>
-      </a:ln>
-    </cs:spPr>
-    <cs:defRPr sz="1197" kern="1200"/>
-  </cs:valueAxis>
-  <cs:wall>
-    <cs:lnRef idx="0"/>
-    <cs:fillRef idx="0"/>
-    <cs:effectRef idx="0"/>
-    <cs:fontRef idx="minor">
-      <a:schemeClr val="dk1"/>
-    </cs:fontRef>
-  </cs:wall>
-</cs:chartStyle>
-</file>
-
 <file path=ppt/comments/comment1.xml><?xml version="1.0" encoding="utf-8"?>
 <p:cmLst xmlns:a="http://schemas.openxmlformats.org/drawingml/2006/main" xmlns:r="http://schemas.openxmlformats.org/officeDocument/2006/relationships" xmlns:p="http://schemas.openxmlformats.org/presentationml/2006/main">
   <p:cm authorId="3" dt="2017-04-24T15:55:16.134" idx="1">
@@ -5919,7 +4918,7 @@
           <a:p>
             <a:fld id="{1620E02C-CED7-FD4B-8118-B8B726E846E0}" type="datetimeFigureOut">
               <a:rPr lang="en-US" smtClean="0"/>
-              <a:t>4/25/17</a:t>
+              <a:t>17/4/26</a:t>
             </a:fld>
             <a:endParaRPr lang="en-US"/>
           </a:p>
@@ -8326,7 +7325,7 @@
           <a:p>
             <a:fld id="{4251665B-C24A-4702-B522-6A4334602E03}" type="datetimeFigureOut">
               <a:rPr lang="en-US" smtClean="0"/>
-              <a:t>4/25/17</a:t>
+              <a:t>17/4/26</a:t>
             </a:fld>
             <a:endParaRPr lang="en-US"/>
           </a:p>
@@ -9083,7 +8082,7 @@
           <a:p>
             <a:fld id="{4251665B-C24A-4702-B522-6A4334602E03}" type="datetimeFigureOut">
               <a:rPr lang="en-US" smtClean="0"/>
-              <a:t>4/25/17</a:t>
+              <a:t>17/4/26</a:t>
             </a:fld>
             <a:endParaRPr lang="en-US"/>
           </a:p>
@@ -9707,7 +8706,7 @@
           <a:p>
             <a:fld id="{4251665B-C24A-4702-B522-6A4334602E03}" type="datetimeFigureOut">
               <a:rPr lang="en-US" smtClean="0"/>
-              <a:t>4/25/17</a:t>
+              <a:t>17/4/26</a:t>
             </a:fld>
             <a:endParaRPr lang="en-US"/>
           </a:p>
@@ -10130,7 +9129,7 @@
           <a:p>
             <a:fld id="{4251665B-C24A-4702-B522-6A4334602E03}" type="datetimeFigureOut">
               <a:rPr lang="en-US" smtClean="0"/>
-              <a:t>4/25/17</a:t>
+              <a:t>17/4/26</a:t>
             </a:fld>
             <a:endParaRPr lang="en-US"/>
           </a:p>
@@ -10307,7 +9306,7 @@
           <a:p>
             <a:fld id="{4251665B-C24A-4702-B522-6A4334602E03}" type="datetimeFigureOut">
               <a:rPr lang="en-US" smtClean="0"/>
-              <a:t>4/25/17</a:t>
+              <a:t>17/4/26</a:t>
             </a:fld>
             <a:endParaRPr lang="en-US"/>
           </a:p>
@@ -11124,7 +10123,7 @@
           <a:p>
             <a:fld id="{4251665B-C24A-4702-B522-6A4334602E03}" type="datetimeFigureOut">
               <a:rPr lang="en-US" smtClean="0"/>
-              <a:t>4/25/17</a:t>
+              <a:t>17/4/26</a:t>
             </a:fld>
             <a:endParaRPr lang="en-US"/>
           </a:p>
@@ -11635,7 +10634,7 @@
           <a:p>
             <a:fld id="{4251665B-C24A-4702-B522-6A4334602E03}" type="datetimeFigureOut">
               <a:rPr lang="en-US" smtClean="0"/>
-              <a:t>4/25/17</a:t>
+              <a:t>17/4/26</a:t>
             </a:fld>
             <a:endParaRPr lang="en-US"/>
           </a:p>
@@ -11868,7 +10867,7 @@
           <a:p>
             <a:fld id="{4251665B-C24A-4702-B522-6A4334602E03}" type="datetimeFigureOut">
               <a:rPr lang="en-US" smtClean="0"/>
-              <a:t>4/25/17</a:t>
+              <a:t>17/4/26</a:t>
             </a:fld>
             <a:endParaRPr lang="en-US"/>
           </a:p>
@@ -12393,7 +11392,7 @@
           <a:p>
             <a:fld id="{4251665B-C24A-4702-B522-6A4334602E03}" type="datetimeFigureOut">
               <a:rPr lang="en-US" smtClean="0"/>
-              <a:t>4/25/17</a:t>
+              <a:t>17/4/26</a:t>
             </a:fld>
             <a:endParaRPr lang="en-US"/>
           </a:p>
@@ -12528,7 +11527,7 @@
           <a:p>
             <a:fld id="{4251665B-C24A-4702-B522-6A4334602E03}" type="datetimeFigureOut">
               <a:rPr lang="en-US" smtClean="0"/>
-              <a:t>4/25/17</a:t>
+              <a:t>17/4/26</a:t>
             </a:fld>
             <a:endParaRPr lang="en-US"/>
           </a:p>
@@ -13426,7 +12425,7 @@
           <a:p>
             <a:fld id="{4251665B-C24A-4702-B522-6A4334602E03}" type="datetimeFigureOut">
               <a:rPr lang="en-US" smtClean="0"/>
-              <a:t>4/25/17</a:t>
+              <a:t>17/4/26</a:t>
             </a:fld>
             <a:endParaRPr lang="en-US"/>
           </a:p>
@@ -13549,7 +12548,7 @@
           <a:p>
             <a:fld id="{4251665B-C24A-4702-B522-6A4334602E03}" type="datetimeFigureOut">
               <a:rPr lang="en-US" smtClean="0"/>
-              <a:t>4/25/17</a:t>
+              <a:t>17/4/26</a:t>
             </a:fld>
             <a:endParaRPr lang="en-US"/>
           </a:p>
@@ -14433,7 +13432,7 @@
           <a:p>
             <a:fld id="{4251665B-C24A-4702-B522-6A4334602E03}" type="datetimeFigureOut">
               <a:rPr lang="en-US" smtClean="0"/>
-              <a:t>4/25/17</a:t>
+              <a:t>17/4/26</a:t>
             </a:fld>
             <a:endParaRPr lang="en-US"/>
           </a:p>
@@ -15081,7 +14080,7 @@
           <a:p>
             <a:fld id="{4251665B-C24A-4702-B522-6A4334602E03}" type="datetimeFigureOut">
               <a:rPr lang="en-US" smtClean="0"/>
-              <a:t>4/25/17</a:t>
+              <a:t>17/4/26</a:t>
             </a:fld>
             <a:endParaRPr lang="en-US"/>
           </a:p>
@@ -15397,7 +14396,7 @@
           <a:p>
             <a:fld id="{4251665B-C24A-4702-B522-6A4334602E03}" type="datetimeFigureOut">
               <a:rPr lang="en-US" smtClean="0"/>
-              <a:t>4/25/17</a:t>
+              <a:t>17/4/26</a:t>
             </a:fld>
             <a:endParaRPr lang="en-US"/>
           </a:p>
@@ -15487,7 +14486,7 @@
           <a:p>
             <a:fld id="{4251665B-C24A-4702-B522-6A4334602E03}" type="datetimeFigureOut">
               <a:rPr lang="en-US" smtClean="0"/>
-              <a:t>4/25/17</a:t>
+              <a:t>17/4/26</a:t>
             </a:fld>
             <a:endParaRPr lang="en-US"/>
           </a:p>
@@ -15815,7 +14814,7 @@
           <a:p>
             <a:fld id="{4251665B-C24A-4702-B522-6A4334602E03}" type="datetimeFigureOut">
               <a:rPr lang="en-US" smtClean="0"/>
-              <a:t>4/25/17</a:t>
+              <a:t>17/4/26</a:t>
             </a:fld>
             <a:endParaRPr lang="en-US"/>
           </a:p>
@@ -16552,7 +15551,7 @@
   <p:timing>
     <p:tnLst>
       <p:par>
-        <p:cTn id="1" dur="indefinite" restart="never" nodeType="tmRoot"/>
+        <p:cTn xmlns:p14="http://schemas.microsoft.com/office/powerpoint/2010/main" id="1" dur="indefinite" restart="never" nodeType="tmRoot"/>
       </p:par>
     </p:tnLst>
   </p:timing>
@@ -16638,7 +15637,6 @@
               <a:rPr lang="en-US" b="1" dirty="0" smtClean="0"/>
               <a:t>leaf</a:t>
             </a:r>
-            <a:endParaRPr lang="en-US" b="1" dirty="0" smtClean="0"/>
           </a:p>
           <a:p>
             <a:pPr lvl="2"/>
@@ -17513,7 +16511,7 @@
   <p:timing>
     <p:tnLst>
       <p:par>
-        <p:cTn id="1" dur="indefinite" restart="never" nodeType="tmRoot"/>
+        <p:cTn xmlns:p14="http://schemas.microsoft.com/office/powerpoint/2010/main" id="1" dur="indefinite" restart="never" nodeType="tmRoot"/>
       </p:par>
     </p:tnLst>
   </p:timing>
@@ -17619,28 +16617,28 @@
                 <a:gridCol w="2072084">
                   <a:extLst>
                     <a:ext uri="{9D8B030D-6E8A-4147-A177-3AD203B41FA5}">
-                      <a16:colId xmlns="" xmlns:a16="http://schemas.microsoft.com/office/drawing/2014/main" val="3241015510"/>
+                      <a16:colId xmlns:a16="http://schemas.microsoft.com/office/drawing/2014/main" xmlns="" val="3241015510"/>
                     </a:ext>
                   </a:extLst>
                 </a:gridCol>
                 <a:gridCol w="2072084">
                   <a:extLst>
                     <a:ext uri="{9D8B030D-6E8A-4147-A177-3AD203B41FA5}">
-                      <a16:colId xmlns="" xmlns:a16="http://schemas.microsoft.com/office/drawing/2014/main" val="405444374"/>
+                      <a16:colId xmlns:a16="http://schemas.microsoft.com/office/drawing/2014/main" xmlns="" val="405444374"/>
                     </a:ext>
                   </a:extLst>
                 </a:gridCol>
                 <a:gridCol w="2072084">
                   <a:extLst>
                     <a:ext uri="{9D8B030D-6E8A-4147-A177-3AD203B41FA5}">
-                      <a16:colId xmlns="" xmlns:a16="http://schemas.microsoft.com/office/drawing/2014/main" val="2117610532"/>
+                      <a16:colId xmlns:a16="http://schemas.microsoft.com/office/drawing/2014/main" xmlns="" val="2117610532"/>
                     </a:ext>
                   </a:extLst>
                 </a:gridCol>
                 <a:gridCol w="2072084">
                   <a:extLst>
                     <a:ext uri="{9D8B030D-6E8A-4147-A177-3AD203B41FA5}">
-                      <a16:colId xmlns="" xmlns:a16="http://schemas.microsoft.com/office/drawing/2014/main" val="136502157"/>
+                      <a16:colId xmlns:a16="http://schemas.microsoft.com/office/drawing/2014/main" xmlns="" val="136502157"/>
                     </a:ext>
                   </a:extLst>
                 </a:gridCol>
@@ -17697,7 +16695,7 @@
                 </a:tc>
                 <a:extLst>
                   <a:ext uri="{0D108BD9-81ED-4DB2-BD59-A6C34878D82A}">
-                    <a16:rowId xmlns="" xmlns:a16="http://schemas.microsoft.com/office/drawing/2014/main" val="1485722009"/>
+                    <a16:rowId xmlns:a16="http://schemas.microsoft.com/office/drawing/2014/main" xmlns="" val="1485722009"/>
                   </a:ext>
                 </a:extLst>
               </a:tr>
@@ -17773,7 +16771,7 @@
                 </a:tc>
                 <a:extLst>
                   <a:ext uri="{0D108BD9-81ED-4DB2-BD59-A6C34878D82A}">
-                    <a16:rowId xmlns="" xmlns:a16="http://schemas.microsoft.com/office/drawing/2014/main" val="3250688218"/>
+                    <a16:rowId xmlns:a16="http://schemas.microsoft.com/office/drawing/2014/main" xmlns="" val="3250688218"/>
                   </a:ext>
                 </a:extLst>
               </a:tr>
@@ -17832,7 +16830,7 @@
                 </a:tc>
                 <a:extLst>
                   <a:ext uri="{0D108BD9-81ED-4DB2-BD59-A6C34878D82A}">
-                    <a16:rowId xmlns="" xmlns:a16="http://schemas.microsoft.com/office/drawing/2014/main" val="4245747846"/>
+                    <a16:rowId xmlns:a16="http://schemas.microsoft.com/office/drawing/2014/main" xmlns="" val="4245747846"/>
                   </a:ext>
                 </a:extLst>
               </a:tr>
@@ -17902,7 +16900,7 @@
   <p:timing>
     <p:tnLst>
       <p:par>
-        <p:cTn id="1" dur="indefinite" restart="never" nodeType="tmRoot"/>
+        <p:cTn xmlns:p14="http://schemas.microsoft.com/office/powerpoint/2010/main" id="1" dur="indefinite" restart="never" nodeType="tmRoot"/>
       </p:par>
     </p:tnLst>
   </p:timing>
@@ -18432,7 +17430,7 @@
   <p:timing>
     <p:tnLst>
       <p:par>
-        <p:cTn id="1" dur="indefinite" restart="never" nodeType="tmRoot"/>
+        <p:cTn xmlns:p14="http://schemas.microsoft.com/office/powerpoint/2010/main" id="1" dur="indefinite" restart="never" nodeType="tmRoot"/>
       </p:par>
     </p:tnLst>
   </p:timing>
@@ -19417,7 +18415,7 @@
   <p:timing>
     <p:tnLst>
       <p:par>
-        <p:cTn id="1" dur="indefinite" restart="never" nodeType="tmRoot"/>
+        <p:cTn xmlns:p14="http://schemas.microsoft.com/office/powerpoint/2010/main" id="1" dur="indefinite" restart="never" nodeType="tmRoot"/>
       </p:par>
     </p:tnLst>
   </p:timing>
@@ -19566,7 +18564,7 @@
   <p:timing>
     <p:tnLst>
       <p:par>
-        <p:cTn id="1" dur="indefinite" restart="never" nodeType="tmRoot"/>
+        <p:cTn xmlns:p14="http://schemas.microsoft.com/office/powerpoint/2010/main" id="1" dur="indefinite" restart="never" nodeType="tmRoot"/>
       </p:par>
     </p:tnLst>
   </p:timing>
@@ -20156,7 +19154,7 @@
   <p:timing>
     <p:tnLst>
       <p:par>
-        <p:cTn id="1" dur="indefinite" restart="never" nodeType="tmRoot"/>
+        <p:cTn xmlns:p14="http://schemas.microsoft.com/office/powerpoint/2010/main" id="1" dur="indefinite" restart="never" nodeType="tmRoot"/>
       </p:par>
     </p:tnLst>
   </p:timing>
@@ -20824,7 +19822,7 @@
   <p:timing>
     <p:tnLst>
       <p:par>
-        <p:cTn id="1" dur="indefinite" restart="never" nodeType="tmRoot"/>
+        <p:cTn xmlns:p14="http://schemas.microsoft.com/office/powerpoint/2010/main" id="1" dur="indefinite" restart="never" nodeType="tmRoot"/>
       </p:par>
     </p:tnLst>
   </p:timing>
@@ -21484,7 +20482,7 @@
   <p:timing>
     <p:tnLst>
       <p:par>
-        <p:cTn id="1" dur="indefinite" restart="never" nodeType="tmRoot"/>
+        <p:cTn xmlns:p14="http://schemas.microsoft.com/office/powerpoint/2010/main" id="1" dur="indefinite" restart="never" nodeType="tmRoot"/>
       </p:par>
     </p:tnLst>
   </p:timing>
@@ -22144,7 +21142,7 @@
   <p:timing>
     <p:tnLst>
       <p:par>
-        <p:cTn id="1" dur="indefinite" restart="never" nodeType="tmRoot"/>
+        <p:cTn xmlns:p14="http://schemas.microsoft.com/office/powerpoint/2010/main" id="1" dur="indefinite" restart="never" nodeType="tmRoot"/>
       </p:par>
     </p:tnLst>
   </p:timing>
@@ -22804,7 +21802,7 @@
   <p:timing>
     <p:tnLst>
       <p:par>
-        <p:cTn id="1" dur="indefinite" restart="never" nodeType="tmRoot"/>
+        <p:cTn xmlns:p14="http://schemas.microsoft.com/office/powerpoint/2010/main" id="1" dur="indefinite" restart="never" nodeType="tmRoot"/>
       </p:par>
     </p:tnLst>
   </p:timing>
@@ -23268,7 +22266,7 @@
   <p:timing>
     <p:tnLst>
       <p:par>
-        <p:cTn id="1" dur="indefinite" restart="never" nodeType="tmRoot"/>
+        <p:cTn xmlns:p14="http://schemas.microsoft.com/office/powerpoint/2010/main" id="1" dur="indefinite" restart="never" nodeType="tmRoot"/>
       </p:par>
     </p:tnLst>
   </p:timing>
@@ -23665,7 +22663,7 @@
   <p:timing>
     <p:tnLst>
       <p:par>
-        <p:cTn id="1" dur="indefinite" restart="never" nodeType="tmRoot"/>
+        <p:cTn xmlns:p14="http://schemas.microsoft.com/office/powerpoint/2010/main" id="1" dur="indefinite" restart="never" nodeType="tmRoot"/>
       </p:par>
     </p:tnLst>
   </p:timing>
@@ -23963,7 +22961,7 @@
   <p:timing>
     <p:tnLst>
       <p:par>
-        <p:cTn id="1" dur="indefinite" restart="never" nodeType="tmRoot"/>
+        <p:cTn xmlns:p14="http://schemas.microsoft.com/office/powerpoint/2010/main" id="1" dur="indefinite" restart="never" nodeType="tmRoot"/>
       </p:par>
     </p:tnLst>
   </p:timing>
@@ -24261,7 +23259,7 @@
   <p:timing>
     <p:tnLst>
       <p:par>
-        <p:cTn id="1" dur="indefinite" restart="never" nodeType="tmRoot"/>
+        <p:cTn xmlns:p14="http://schemas.microsoft.com/office/powerpoint/2010/main" id="1" dur="indefinite" restart="never" nodeType="tmRoot"/>
       </p:par>
     </p:tnLst>
   </p:timing>
@@ -24559,7 +23557,7 @@
   <p:timing>
     <p:tnLst>
       <p:par>
-        <p:cTn id="1" dur="indefinite" restart="never" nodeType="tmRoot"/>
+        <p:cTn xmlns:p14="http://schemas.microsoft.com/office/powerpoint/2010/main" id="1" dur="indefinite" restart="never" nodeType="tmRoot"/>
       </p:par>
     </p:tnLst>
   </p:timing>
@@ -25158,7 +24156,7 @@
   <p:timing>
     <p:tnLst>
       <p:par>
-        <p:cTn id="1" dur="indefinite" restart="never" nodeType="tmRoot"/>
+        <p:cTn xmlns:p14="http://schemas.microsoft.com/office/powerpoint/2010/main" id="1" dur="indefinite" restart="never" nodeType="tmRoot"/>
       </p:par>
     </p:tnLst>
   </p:timing>
@@ -25858,7 +24856,7 @@
   <p:timing>
     <p:tnLst>
       <p:par>
-        <p:cTn id="1" dur="indefinite" restart="never" nodeType="tmRoot"/>
+        <p:cTn xmlns:p14="http://schemas.microsoft.com/office/powerpoint/2010/main" id="1" dur="indefinite" restart="never" nodeType="tmRoot"/>
       </p:par>
     </p:tnLst>
   </p:timing>
@@ -25934,21 +24932,19 @@
       </p:sp>
       <p:graphicFrame>
         <p:nvGraphicFramePr>
-          <p:cNvPr id="8" name="Chart 7"/>
-          <p:cNvGraphicFramePr>
-            <a:graphicFrameLocks/>
-          </p:cNvGraphicFramePr>
+          <p:cNvPr id="6" name="Chart 5"/>
+          <p:cNvGraphicFramePr/>
           <p:nvPr>
             <p:extLst>
               <p:ext uri="{D42A27DB-BD31-4B8C-83A1-F6EECF244321}">
-                <p14:modId xmlns:p14="http://schemas.microsoft.com/office/powerpoint/2010/main" val="1532491586"/>
+                <p14:modId xmlns:p14="http://schemas.microsoft.com/office/powerpoint/2010/main" val="1452320132"/>
               </p:ext>
             </p:extLst>
           </p:nvPr>
         </p:nvGraphicFramePr>
         <p:xfrm>
-          <a:off x="1556542" y="2386012"/>
-          <a:ext cx="5872957" cy="3500438"/>
+          <a:off x="1206500" y="2095500"/>
+          <a:ext cx="6604000" cy="4159250"/>
         </p:xfrm>
         <a:graphic>
           <a:graphicData uri="http://schemas.openxmlformats.org/drawingml/2006/chart">
@@ -25969,7 +24965,7 @@
   <p:timing>
     <p:tnLst>
       <p:par>
-        <p:cTn id="1" dur="indefinite" restart="never" nodeType="tmRoot"/>
+        <p:cTn xmlns:p14="http://schemas.microsoft.com/office/powerpoint/2010/main" id="1" dur="indefinite" restart="never" nodeType="tmRoot"/>
       </p:par>
     </p:tnLst>
   </p:timing>
@@ -26301,7 +25297,7 @@
   <p:timing>
     <p:tnLst>
       <p:par>
-        <p:cTn id="1" dur="indefinite" restart="never" nodeType="tmRoot"/>
+        <p:cTn xmlns:p14="http://schemas.microsoft.com/office/powerpoint/2010/main" id="1" dur="indefinite" restart="never" nodeType="tmRoot"/>
       </p:par>
     </p:tnLst>
   </p:timing>
@@ -26509,7 +25505,7 @@
   <p:timing>
     <p:tnLst>
       <p:par>
-        <p:cTn id="1" dur="indefinite" restart="never" nodeType="tmRoot"/>
+        <p:cTn xmlns:p14="http://schemas.microsoft.com/office/powerpoint/2010/main" id="1" dur="indefinite" restart="never" nodeType="tmRoot"/>
       </p:par>
     </p:tnLst>
   </p:timing>
@@ -26692,11 +25688,7 @@
             </a:r>
             <a:r>
               <a:rPr lang="en-US" dirty="0" smtClean="0"/>
-              <a:t>of </a:t>
-            </a:r>
-            <a:r>
-              <a:rPr lang="en-US" dirty="0" smtClean="0"/>
-              <a:t>cuisine</a:t>
+              <a:t>of cuisine</a:t>
             </a:r>
           </a:p>
           <a:p>
@@ -26707,15 +25699,7 @@
             </a:r>
             <a:r>
               <a:rPr lang="en-US" dirty="0" smtClean="0"/>
-              <a:t>ist </a:t>
-            </a:r>
-            <a:r>
-              <a:rPr lang="en-US" dirty="0" smtClean="0"/>
-              <a:t>of </a:t>
-            </a:r>
-            <a:r>
-              <a:rPr lang="en-US" dirty="0" smtClean="0"/>
-              <a:t>ingredients</a:t>
+              <a:t>ist of ingredients</a:t>
             </a:r>
             <a:r>
               <a:rPr lang="zh-CN" altLang="en-US" dirty="0" smtClean="0"/>
@@ -26797,7 +25781,7 @@
   <p:timing>
     <p:tnLst>
       <p:par>
-        <p:cTn id="1" dur="indefinite" restart="never" nodeType="tmRoot"/>
+        <p:cTn xmlns:p14="http://schemas.microsoft.com/office/powerpoint/2010/main" id="1" dur="indefinite" restart="never" nodeType="tmRoot"/>
       </p:par>
     </p:tnLst>
   </p:timing>
@@ -26962,11 +25946,7 @@
             </a:r>
             <a:r>
               <a:rPr kumimoji="1" lang="en-US" altLang="zh-CN" sz="2000" dirty="0" smtClean="0"/>
-              <a:t> (4320</a:t>
-            </a:r>
-            <a:r>
-              <a:rPr kumimoji="1" lang="en-US" altLang="zh-CN" sz="2000" dirty="0" smtClean="0"/>
-              <a:t>)</a:t>
+              <a:t> (4320)</a:t>
             </a:r>
             <a:endParaRPr kumimoji="1" lang="zh-CN" altLang="en-US" sz="2000" dirty="0" smtClean="0"/>
           </a:p>
@@ -27055,7 +26035,6 @@
               <a:rPr kumimoji="1" lang="en-US" altLang="zh-CN" sz="2000" dirty="0" smtClean="0"/>
               <a:t>(2646)</a:t>
             </a:r>
-            <a:endParaRPr kumimoji="1" lang="en-US" altLang="zh-CN" sz="2000" dirty="0" smtClean="0"/>
           </a:p>
           <a:p>
             <a:pPr lvl="2"/>
@@ -27082,7 +26061,7 @@
   <p:timing>
     <p:tnLst>
       <p:par>
-        <p:cTn id="1" dur="indefinite" restart="never" nodeType="tmRoot"/>
+        <p:cTn xmlns:p14="http://schemas.microsoft.com/office/powerpoint/2010/main" id="1" dur="indefinite" restart="never" nodeType="tmRoot"/>
       </p:par>
     </p:tnLst>
   </p:timing>
@@ -27184,11 +26163,7 @@
             </a:r>
             <a:r>
               <a:rPr kumimoji="1" lang="en-US" altLang="zh-CN" dirty="0" smtClean="0"/>
-              <a:t>K-means </a:t>
-            </a:r>
-            <a:r>
-              <a:rPr kumimoji="1" lang="en-US" altLang="zh-CN" dirty="0" smtClean="0"/>
-              <a:t>Clusters</a:t>
+              <a:t>K-means Clusters</a:t>
             </a:r>
             <a:r>
               <a:rPr kumimoji="1" lang="zh-CN" altLang="en-US" dirty="0" smtClean="0"/>
@@ -27214,7 +26189,6 @@
               <a:rPr kumimoji="1" lang="en-US" altLang="zh-CN" dirty="0" smtClean="0"/>
               <a:t>data</a:t>
             </a:r>
-            <a:endParaRPr kumimoji="1" lang="en-US" altLang="zh-CN" dirty="0" smtClean="0"/>
           </a:p>
         </p:txBody>
       </p:sp>
@@ -27255,7 +26229,7 @@
   <p:timing>
     <p:tnLst>
       <p:par>
-        <p:cTn id="1" dur="indefinite" restart="never" nodeType="tmRoot"/>
+        <p:cTn xmlns:p14="http://schemas.microsoft.com/office/powerpoint/2010/main" id="1" dur="indefinite" restart="never" nodeType="tmRoot"/>
       </p:par>
     </p:tnLst>
   </p:timing>
@@ -27406,7 +26380,7 @@
   <p:timing>
     <p:tnLst>
       <p:par>
-        <p:cTn id="1" dur="indefinite" restart="never" nodeType="tmRoot"/>
+        <p:cTn xmlns:p14="http://schemas.microsoft.com/office/powerpoint/2010/main" id="1" dur="indefinite" restart="never" nodeType="tmRoot"/>
       </p:par>
     </p:tnLst>
   </p:timing>
@@ -27484,11 +26458,7 @@
           <a:p>
             <a:r>
               <a:rPr lang="en-US" altLang="zh-CN" dirty="0" smtClean="0"/>
-              <a:t>Remov</a:t>
-            </a:r>
-            <a:r>
-              <a:rPr lang="en-US" altLang="zh-CN" dirty="0" smtClean="0"/>
-              <a:t>e</a:t>
+              <a:t>Remove</a:t>
             </a:r>
             <a:r>
               <a:rPr lang="zh-CN" altLang="en-US" dirty="0" smtClean="0"/>
@@ -27560,7 +26530,7 @@
   <p:timing>
     <p:tnLst>
       <p:par>
-        <p:cTn id="1" dur="indefinite" restart="never" nodeType="tmRoot"/>
+        <p:cTn xmlns:p14="http://schemas.microsoft.com/office/powerpoint/2010/main" id="1" dur="indefinite" restart="never" nodeType="tmRoot"/>
       </p:par>
     </p:tnLst>
   </p:timing>
@@ -27720,7 +26690,7 @@
   <p:timing>
     <p:tnLst>
       <p:par>
-        <p:cTn id="1" dur="indefinite" restart="never" nodeType="tmRoot"/>
+        <p:cTn xmlns:p14="http://schemas.microsoft.com/office/powerpoint/2010/main" id="1" dur="indefinite" restart="never" nodeType="tmRoot"/>
       </p:par>
     </p:tnLst>
   </p:timing>
@@ -28205,7 +27175,7 @@
   <p:timing>
     <p:tnLst>
       <p:par>
-        <p:cTn id="1" dur="indefinite" restart="never" nodeType="tmRoot"/>
+        <p:cTn xmlns:p14="http://schemas.microsoft.com/office/powerpoint/2010/main" id="1" dur="indefinite" restart="never" nodeType="tmRoot"/>
       </p:par>
     </p:tnLst>
   </p:timing>
@@ -28514,7 +27484,7 @@
     </a:clrScheme>
     <a:fontScheme name="Office">
       <a:majorFont>
-        <a:latin typeface="Calibri Light" panose="020F0302020204030204"/>
+        <a:latin typeface="Calibri Light"/>
         <a:ea typeface=""/>
         <a:cs typeface=""/>
         <a:font script="Jpan" typeface="Yu Gothic Light"/>
@@ -28549,7 +27519,7 @@
         <a:font script="Geor" typeface="Sylfaen"/>
       </a:majorFont>
       <a:minorFont>
-        <a:latin typeface="Calibri" panose="020F0502020204030204"/>
+        <a:latin typeface="Calibri"/>
         <a:ea typeface=""/>
         <a:cs typeface=""/>
         <a:font script="Jpan" typeface="Yu Gothic"/>
@@ -28726,7 +27696,7 @@
   <a:extraClrSchemeLst/>
   <a:extLst>
     <a:ext uri="{05A4C25C-085E-4340-85A3-A5531E510DB2}">
-      <thm15:themeFamily xmlns:thm15="http://schemas.microsoft.com/office/thememl/2012/main" name="Office Theme" id="{62F939B6-93AF-4DB8-9C6B-D6C7DFDC589F}" vid="{4A3C46E8-61CC-4603-A589-7422A47A8E4A}"/>
+      <thm15:themeFamily xmlns:thm15="http://schemas.microsoft.com/office/thememl/2012/main" xmlns="" name="Office Theme" id="{62F939B6-93AF-4DB8-9C6B-D6C7DFDC589F}" vid="{4A3C46E8-61CC-4603-A589-7422A47A8E4A}"/>
     </a:ext>
   </a:extLst>
 </a:theme>
